--- a/Global Sugar Intake Analysis.pptx
+++ b/Global Sugar Intake Analysis.pptx
@@ -8934,10 +8934,10 @@
       </p:sp>
       <p:pic>
         <p:nvPicPr>
-          <p:cNvPr id="5" name="Picture 4" descr="Chart, scatter chart&#10;&#10;Description automatically generated">
-            <a:extLst>
-              <a:ext uri="{FF2B5EF4-FFF2-40B4-BE49-F238E27FC236}">
-                <a16:creationId xmlns:a16="http://schemas.microsoft.com/office/drawing/2014/main" id="{E38CB3A0-8B4C-4F9D-8B53-1F4AE6A93734}"/>
+          <p:cNvPr id="10" name="Picture 9">
+            <a:extLst>
+              <a:ext uri="{FF2B5EF4-FFF2-40B4-BE49-F238E27FC236}">
+                <a16:creationId xmlns:a16="http://schemas.microsoft.com/office/drawing/2014/main" id="{6DC4220B-FEF3-42A6-BC49-0D23FA244ABD}"/>
               </a:ext>
             </a:extLst>
           </p:cNvPr>
@@ -8947,21 +8947,15 @@
           <p:nvPr/>
         </p:nvPicPr>
         <p:blipFill>
-          <a:blip r:embed="rId3">
-            <a:extLst>
-              <a:ext uri="{28A0092B-C50C-407E-A947-70E740481C1C}">
-                <a14:useLocalDpi xmlns:a14="http://schemas.microsoft.com/office/drawing/2010/main" val="0"/>
-              </a:ext>
-            </a:extLst>
-          </a:blip>
+          <a:blip r:embed="rId3"/>
           <a:stretch>
             <a:fillRect/>
           </a:stretch>
         </p:blipFill>
         <p:spPr>
           <a:xfrm>
-            <a:off x="5125219" y="317393"/>
-            <a:ext cx="5487650" cy="3658433"/>
+            <a:off x="5206970" y="4072220"/>
+            <a:ext cx="6332769" cy="441998"/>
           </a:xfrm>
           <a:prstGeom prst="rect">
             <a:avLst/>
@@ -8970,10 +8964,10 @@
       </p:pic>
       <p:pic>
         <p:nvPicPr>
-          <p:cNvPr id="10" name="Picture 9">
-            <a:extLst>
-              <a:ext uri="{FF2B5EF4-FFF2-40B4-BE49-F238E27FC236}">
-                <a16:creationId xmlns:a16="http://schemas.microsoft.com/office/drawing/2014/main" id="{6DC4220B-FEF3-42A6-BC49-0D23FA244ABD}"/>
+          <p:cNvPr id="7" name="Picture 6" descr="Chart, scatter chart&#10;&#10;Description automatically generated">
+            <a:extLst>
+              <a:ext uri="{FF2B5EF4-FFF2-40B4-BE49-F238E27FC236}">
+                <a16:creationId xmlns:a16="http://schemas.microsoft.com/office/drawing/2014/main" id="{4B9BEA9F-6AB6-4B74-97FC-437B847AAAE1}"/>
               </a:ext>
             </a:extLst>
           </p:cNvPr>
@@ -8983,15 +8977,21 @@
           <p:nvPr/>
         </p:nvPicPr>
         <p:blipFill>
-          <a:blip r:embed="rId4"/>
+          <a:blip r:embed="rId4">
+            <a:extLst>
+              <a:ext uri="{28A0092B-C50C-407E-A947-70E740481C1C}">
+                <a14:useLocalDpi xmlns:a14="http://schemas.microsoft.com/office/drawing/2010/main" val="0"/>
+              </a:ext>
+            </a:extLst>
+          </a:blip>
           <a:stretch>
             <a:fillRect/>
           </a:stretch>
         </p:blipFill>
         <p:spPr>
           <a:xfrm>
-            <a:off x="5206970" y="4072220"/>
-            <a:ext cx="6332769" cy="441998"/>
+            <a:off x="5058311" y="198460"/>
+            <a:ext cx="5535347" cy="3690231"/>
           </a:xfrm>
           <a:prstGeom prst="rect">
             <a:avLst/>

--- a/Global Sugar Intake Analysis.pptx
+++ b/Global Sugar Intake Analysis.pptx
@@ -1169,8 +1169,136 @@
               <a:rPr lang="en-US" dirty="0">
                 <a:sym typeface="Wingdings" panose="05000000000000000000" pitchFamily="2" charset="2"/>
               </a:rPr>
-              <a:t> Kapil to fill in </a:t>
-            </a:r>
+              <a:t> </a:t>
+            </a:r>
+          </a:p>
+          <a:p>
+            <a:pPr marL="0" marR="0" lvl="0" indent="0" algn="l" defTabSz="914400" rtl="0" eaLnBrk="1" fontAlgn="auto" latinLnBrk="0" hangingPunct="1">
+              <a:lnSpc>
+                <a:spcPct val="100000"/>
+              </a:lnSpc>
+              <a:spcBef>
+                <a:spcPts val="0"/>
+              </a:spcBef>
+              <a:spcAft>
+                <a:spcPts val="0"/>
+              </a:spcAft>
+              <a:buClrTx/>
+              <a:buSzTx/>
+              <a:buFontTx/>
+              <a:buNone/>
+              <a:tabLst/>
+              <a:defRPr/>
+            </a:pPr>
+            <a:endParaRPr lang="en-US" dirty="0">
+              <a:sym typeface="Wingdings" panose="05000000000000000000" pitchFamily="2" charset="2"/>
+            </a:endParaRPr>
+          </a:p>
+          <a:p>
+            <a:pPr marL="0" marR="0" lvl="0" indent="0" algn="l" defTabSz="914400" rtl="0" eaLnBrk="1" fontAlgn="auto" latinLnBrk="0" hangingPunct="1">
+              <a:lnSpc>
+                <a:spcPct val="100000"/>
+              </a:lnSpc>
+              <a:spcBef>
+                <a:spcPts val="0"/>
+              </a:spcBef>
+              <a:spcAft>
+                <a:spcPts val="0"/>
+              </a:spcAft>
+              <a:buClrTx/>
+              <a:buSzTx/>
+              <a:buFontTx/>
+              <a:buNone/>
+              <a:tabLst/>
+              <a:defRPr/>
+            </a:pPr>
+            <a:r>
+              <a:rPr lang="en-CA" sz="1200" b="0" i="0" kern="1200" dirty="0" err="1">
+                <a:solidFill>
+                  <a:schemeClr val="tx1"/>
+                </a:solidFill>
+                <a:effectLst/>
+                <a:latin typeface="+mn-lt"/>
+                <a:ea typeface="+mn-ea"/>
+                <a:cs typeface="+mn-cs"/>
+              </a:rPr>
+              <a:t>FatSecret</a:t>
+            </a:r>
+            <a:r>
+              <a:rPr lang="en-CA" sz="1200" b="0" i="0" kern="1200" dirty="0">
+                <a:solidFill>
+                  <a:schemeClr val="tx1"/>
+                </a:solidFill>
+                <a:effectLst/>
+                <a:latin typeface="+mn-lt"/>
+                <a:ea typeface="+mn-ea"/>
+                <a:cs typeface="+mn-cs"/>
+              </a:rPr>
+              <a:t> Website API</a:t>
+            </a:r>
+            <a:br>
+              <a:rPr lang="en-CA" dirty="0"/>
+            </a:br>
+            <a:r>
+              <a:rPr lang="en-CA" sz="1200" b="0" i="0" kern="1200" dirty="0">
+                <a:solidFill>
+                  <a:schemeClr val="tx1"/>
+                </a:solidFill>
+                <a:effectLst/>
+                <a:latin typeface="+mn-lt"/>
+                <a:ea typeface="+mn-ea"/>
+                <a:cs typeface="+mn-cs"/>
+              </a:rPr>
+              <a:t>-         Issues had to send in two set of keys to retrieve Data</a:t>
+            </a:r>
+            <a:br>
+              <a:rPr lang="en-CA" dirty="0"/>
+            </a:br>
+            <a:r>
+              <a:rPr lang="en-CA" sz="1200" b="0" i="0" kern="1200" dirty="0">
+                <a:solidFill>
+                  <a:schemeClr val="tx1"/>
+                </a:solidFill>
+                <a:effectLst/>
+                <a:latin typeface="+mn-lt"/>
+                <a:ea typeface="+mn-ea"/>
+                <a:cs typeface="+mn-cs"/>
+              </a:rPr>
+              <a:t>-         Data was hard to retrieve as we had to run loops to get sugar content (as it was deeply embedded into products id)</a:t>
+            </a:r>
+            <a:br>
+              <a:rPr lang="en-CA" dirty="0"/>
+            </a:br>
+            <a:r>
+              <a:rPr lang="en-CA" sz="1200" b="0" i="0" kern="1200" dirty="0">
+                <a:solidFill>
+                  <a:schemeClr val="tx1"/>
+                </a:solidFill>
+                <a:effectLst/>
+                <a:latin typeface="+mn-lt"/>
+                <a:ea typeface="+mn-ea"/>
+                <a:cs typeface="+mn-cs"/>
+              </a:rPr>
+              <a:t>-         Data was all set as Object and had to convert to Float.</a:t>
+            </a:r>
+            <a:br>
+              <a:rPr lang="en-CA" dirty="0"/>
+            </a:br>
+            <a:r>
+              <a:rPr lang="en-CA" sz="1200" b="0" i="0" kern="1200">
+                <a:solidFill>
+                  <a:schemeClr val="tx1"/>
+                </a:solidFill>
+                <a:effectLst/>
+                <a:latin typeface="+mn-lt"/>
+                <a:ea typeface="+mn-ea"/>
+                <a:cs typeface="+mn-cs"/>
+              </a:rPr>
+              <a:t>-         Data was skewed and had to clean data as the sugar contents would was not separated by sizes.</a:t>
+            </a:r>
+            <a:endParaRPr lang="en-US" dirty="0">
+              <a:sym typeface="Wingdings" panose="05000000000000000000" pitchFamily="2" charset="2"/>
+            </a:endParaRPr>
           </a:p>
           <a:p>
             <a:pPr marL="0" marR="0" lvl="0" indent="0" algn="l" defTabSz="914400" rtl="0" eaLnBrk="1" fontAlgn="auto" latinLnBrk="0" hangingPunct="1">

--- a/Global Sugar Intake Analysis.pptx
+++ b/Global Sugar Intake Analysis.pptx
@@ -876,7 +876,7 @@
           <a:p>
             <a:r>
               <a:rPr lang="en-US" dirty="0"/>
-              <a:t>Soda has the highest sugar content of X grams.</a:t>
+              <a:t>Soda has the highest sugar content of 28 grams.</a:t>
             </a:r>
             <a:endParaRPr lang="en-CA" dirty="0"/>
           </a:p>
@@ -1249,7 +1249,7 @@
                 <a:ea typeface="+mn-ea"/>
                 <a:cs typeface="+mn-cs"/>
               </a:rPr>
-              <a:t>-         Issues had to send in two set of keys to retrieve Data</a:t>
+              <a:t>-         Had to call API twice with two keys– one for Food ID and then breakdown of nutrients.</a:t>
             </a:r>
             <a:br>
               <a:rPr lang="en-CA" dirty="0"/>
@@ -1264,7 +1264,7 @@
                 <a:ea typeface="+mn-ea"/>
                 <a:cs typeface="+mn-cs"/>
               </a:rPr>
-              <a:t>-         Data was hard to retrieve as we had to run loops to get sugar content (as it was deeply embedded into products id)</a:t>
+              <a:t>-         Had to run a complex loops to get sugar content (as it was deeply embedded into products id)</a:t>
             </a:r>
             <a:br>
               <a:rPr lang="en-CA" dirty="0"/>
@@ -1279,13 +1279,29 @@
                 <a:ea typeface="+mn-ea"/>
                 <a:cs typeface="+mn-cs"/>
               </a:rPr>
-              <a:t>-         Data was all set as Object and had to convert to Float.</a:t>
-            </a:r>
-            <a:br>
-              <a:rPr lang="en-CA" dirty="0"/>
-            </a:br>
-            <a:r>
-              <a:rPr lang="en-CA" sz="1200" b="0" i="0" kern="1200">
+              <a:t>-         Nutritional information not standardized. </a:t>
+            </a:r>
+          </a:p>
+          <a:p>
+            <a:pPr marL="0" marR="0" lvl="0" indent="0" algn="l" defTabSz="914400" rtl="0" eaLnBrk="1" fontAlgn="auto" latinLnBrk="0" hangingPunct="1">
+              <a:lnSpc>
+                <a:spcPct val="100000"/>
+              </a:lnSpc>
+              <a:spcBef>
+                <a:spcPts val="0"/>
+              </a:spcBef>
+              <a:spcAft>
+                <a:spcPts val="0"/>
+              </a:spcAft>
+              <a:buClrTx/>
+              <a:buSzTx/>
+              <a:buFontTx/>
+              <a:buNone/>
+              <a:tabLst/>
+              <a:defRPr/>
+            </a:pPr>
+            <a:r>
+              <a:rPr lang="en-CA" sz="1200" b="0" i="0" kern="1200" dirty="0">
                 <a:solidFill>
                   <a:schemeClr val="tx1"/>
                 </a:solidFill>
@@ -1294,7 +1310,7 @@
                 <a:ea typeface="+mn-ea"/>
                 <a:cs typeface="+mn-cs"/>
               </a:rPr>
-              <a:t>-         Data was skewed and had to clean data as the sugar contents would was not separated by sizes.</a:t>
+              <a:t>-         Data was skewed and had to clean data as the sugar contents would was not separated by sizes.</a:t>
             </a:r>
             <a:endParaRPr lang="en-US" dirty="0">
               <a:sym typeface="Wingdings" panose="05000000000000000000" pitchFamily="2" charset="2"/>
@@ -8683,10 +8699,10 @@
       </p:pic>
       <p:pic>
         <p:nvPicPr>
-          <p:cNvPr id="5" name="Picture 4">
-            <a:extLst>
-              <a:ext uri="{FF2B5EF4-FFF2-40B4-BE49-F238E27FC236}">
-                <a16:creationId xmlns:a16="http://schemas.microsoft.com/office/drawing/2014/main" id="{B6BD7CD3-55F9-224E-BC32-18D21136D6F4}"/>
+          <p:cNvPr id="9" name="Picture 8">
+            <a:extLst>
+              <a:ext uri="{FF2B5EF4-FFF2-40B4-BE49-F238E27FC236}">
+                <a16:creationId xmlns:a16="http://schemas.microsoft.com/office/drawing/2014/main" id="{60834140-B322-C342-AE1C-D626D0E93BD3}"/>
               </a:ext>
             </a:extLst>
           </p:cNvPr>
@@ -8709,8 +8725,8 @@
         </p:blipFill>
         <p:spPr>
           <a:xfrm>
-            <a:off x="5389091" y="238582"/>
-            <a:ext cx="6134130" cy="4009143"/>
+            <a:off x="5595489" y="298542"/>
+            <a:ext cx="5058334" cy="4037168"/>
           </a:xfrm>
           <a:prstGeom prst="rect">
             <a:avLst/>
@@ -9052,7 +9068,7 @@
                   <a:srgbClr val="FFFFFF"/>
                 </a:solidFill>
               </a:rPr>
-              <a:t> Sugar intake does not impact the dental health of the population.  </a:t>
+              <a:t> Sugar intake does not impact dental health.</a:t>
             </a:r>
           </a:p>
         </p:txBody>

--- a/Global Sugar Intake Analysis.pptx
+++ b/Global Sugar Intake Analysis.pptx
@@ -1957,7 +1957,7 @@
             </a:pPr>
             <a:r>
               <a:rPr lang="en-CA" dirty="0"/>
-              <a:t>-Keep in mind, the American Heart Association recommends an 37.5 g for adult males and 25 g for adult women. With a footlong sub, coming in at 10 g (30-50% of your daily take)… we wanted to explore exactly how much sugar is being consumed globally and whether it’s had an impact to our health over the years. </a:t>
+              <a:t>-Keep in mind, the American Heart Association recommends an 37.5 g for adult males and 25 g for adult women. With a footlong sub, coming in at 10 g (30-50% of your daily take)… we wanted to explore exactly how much sugar is being consumed globally and whether it’s had an impact over the years. </a:t>
             </a:r>
           </a:p>
           <a:p>
